--- a/Treinamento_Git (1).pptx
+++ b/Treinamento_Git (1).pptx
@@ -288,7 +288,7 @@
             <a:fld id="{7C703682-722D-42EF-98D2-D775D4F5A687}" type="datetimeFigureOut">
               <a:rPr lang="pt-BR" smtClean="0"/>
               <a:pPr/>
-              <a:t>12/10/13</a:t>
+              <a:t>12/13/13</a:t>
             </a:fld>
             <a:endParaRPr lang="pt-BR"/>
           </a:p>
@@ -1159,7 +1159,7 @@
             <a:fld id="{7C703682-722D-42EF-98D2-D775D4F5A687}" type="datetimeFigureOut">
               <a:rPr lang="pt-BR" smtClean="0"/>
               <a:pPr/>
-              <a:t>12/10/13</a:t>
+              <a:t>12/13/13</a:t>
             </a:fld>
             <a:endParaRPr lang="pt-BR"/>
           </a:p>
@@ -1336,7 +1336,7 @@
             <a:fld id="{7C703682-722D-42EF-98D2-D775D4F5A687}" type="datetimeFigureOut">
               <a:rPr lang="pt-BR" smtClean="0"/>
               <a:pPr/>
-              <a:t>12/10/13</a:t>
+              <a:t>12/13/13</a:t>
             </a:fld>
             <a:endParaRPr lang="pt-BR"/>
           </a:p>
@@ -1508,7 +1508,7 @@
             <a:fld id="{7C703682-722D-42EF-98D2-D775D4F5A687}" type="datetimeFigureOut">
               <a:rPr lang="pt-BR" smtClean="0"/>
               <a:pPr/>
-              <a:t>12/10/13</a:t>
+              <a:t>12/13/13</a:t>
             </a:fld>
             <a:endParaRPr lang="pt-BR"/>
           </a:p>
@@ -1720,7 +1720,7 @@
             <a:fld id="{7C703682-722D-42EF-98D2-D775D4F5A687}" type="datetimeFigureOut">
               <a:rPr lang="pt-BR" smtClean="0"/>
               <a:pPr/>
-              <a:t>12/10/13</a:t>
+              <a:t>12/13/13</a:t>
             </a:fld>
             <a:endParaRPr lang="pt-BR"/>
           </a:p>
@@ -2536,7 +2536,7 @@
             <a:fld id="{7C703682-722D-42EF-98D2-D775D4F5A687}" type="datetimeFigureOut">
               <a:rPr lang="pt-BR" smtClean="0"/>
               <a:pPr/>
-              <a:t>12/10/13</a:t>
+              <a:t>12/13/13</a:t>
             </a:fld>
             <a:endParaRPr lang="pt-BR"/>
           </a:p>
@@ -2774,7 +2774,7 @@
             <a:fld id="{7C703682-722D-42EF-98D2-D775D4F5A687}" type="datetimeFigureOut">
               <a:rPr lang="pt-BR" smtClean="0"/>
               <a:pPr/>
-              <a:t>12/10/13</a:t>
+              <a:t>12/13/13</a:t>
             </a:fld>
             <a:endParaRPr lang="pt-BR"/>
           </a:p>
@@ -3099,7 +3099,7 @@
             <a:fld id="{7C703682-722D-42EF-98D2-D775D4F5A687}" type="datetimeFigureOut">
               <a:rPr lang="pt-BR" smtClean="0"/>
               <a:pPr/>
-              <a:t>12/10/13</a:t>
+              <a:t>12/13/13</a:t>
             </a:fld>
             <a:endParaRPr lang="pt-BR"/>
           </a:p>
@@ -3191,7 +3191,7 @@
             <a:fld id="{7C703682-722D-42EF-98D2-D775D4F5A687}" type="datetimeFigureOut">
               <a:rPr lang="pt-BR" smtClean="0"/>
               <a:pPr/>
-              <a:t>12/10/13</a:t>
+              <a:t>12/13/13</a:t>
             </a:fld>
             <a:endParaRPr lang="pt-BR"/>
           </a:p>
@@ -3710,7 +3710,7 @@
             <a:fld id="{7C703682-722D-42EF-98D2-D775D4F5A687}" type="datetimeFigureOut">
               <a:rPr lang="pt-BR" smtClean="0"/>
               <a:pPr/>
-              <a:t>12/10/13</a:t>
+              <a:t>12/13/13</a:t>
             </a:fld>
             <a:endParaRPr lang="pt-BR"/>
           </a:p>
@@ -4223,7 +4223,7 @@
             <a:fld id="{7C703682-722D-42EF-98D2-D775D4F5A687}" type="datetimeFigureOut">
               <a:rPr lang="pt-BR" smtClean="0"/>
               <a:pPr/>
-              <a:t>12/10/13</a:t>
+              <a:t>12/13/13</a:t>
             </a:fld>
             <a:endParaRPr lang="pt-BR"/>
           </a:p>
@@ -4470,7 +4470,7 @@
             <a:fld id="{7C703682-722D-42EF-98D2-D775D4F5A687}" type="datetimeFigureOut">
               <a:rPr lang="pt-BR" smtClean="0"/>
               <a:pPr/>
-              <a:t>12/10/13</a:t>
+              <a:t>12/13/13</a:t>
             </a:fld>
             <a:endParaRPr lang="pt-BR"/>
           </a:p>
@@ -9162,17 +9162,7 @@
                 <a:latin typeface="Arial" pitchFamily="34" charset="0"/>
                 <a:cs typeface="Arial" pitchFamily="34" charset="0"/>
               </a:rPr>
-              <a:t> </a:t>
-            </a:r>
-            <a:r>
-              <a:rPr lang="pt-BR" sz="2000" b="1" dirty="0" smtClean="0">
-                <a:solidFill>
-                  <a:srgbClr val="B5400B"/>
-                </a:solidFill>
-                <a:latin typeface="Arial" pitchFamily="34" charset="0"/>
-                <a:cs typeface="Arial" pitchFamily="34" charset="0"/>
-              </a:rPr>
-              <a:t>log, </a:t>
+              <a:t> log, </a:t>
             </a:r>
             <a:r>
               <a:rPr lang="pt-BR" sz="2000" b="1" dirty="0" err="1" smtClean="0">
@@ -9830,10 +9820,6 @@
               </a:rPr>
               <a:t>:</a:t>
             </a:r>
-            <a:endParaRPr lang="pt-BR" sz="2500" b="1" dirty="0" smtClean="0">
-              <a:latin typeface="Arial" pitchFamily="34" charset="0"/>
-              <a:cs typeface="Arial" pitchFamily="34" charset="0"/>
-            </a:endParaRPr>
           </a:p>
           <a:p>
             <a:pPr>
@@ -11386,7 +11372,7 @@
         </p:spPr>
         <p:txBody>
           <a:bodyPr>
-            <a:normAutofit fontScale="85000" lnSpcReduction="20000"/>
+            <a:normAutofit fontScale="77500" lnSpcReduction="20000"/>
           </a:bodyPr>
           <a:lstStyle/>
           <a:p>
@@ -11707,9 +11693,50 @@
                 <a:latin typeface="Arial" pitchFamily="34" charset="0"/>
                 <a:cs typeface="Arial" pitchFamily="34" charset="0"/>
               </a:rPr>
-              <a:t>:</a:t>
+              <a:t>:  </a:t>
             </a:r>
             <a:endParaRPr lang="pt-BR" sz="2600" b="1" dirty="0">
+              <a:latin typeface="Arial" pitchFamily="34" charset="0"/>
+              <a:cs typeface="Arial" pitchFamily="34" charset="0"/>
+            </a:endParaRPr>
+          </a:p>
+          <a:p>
+            <a:pPr>
+              <a:buNone/>
+            </a:pPr>
+            <a:endParaRPr lang="pt-BR" sz="2600" b="1" dirty="0" smtClean="0">
+              <a:latin typeface="Arial" pitchFamily="34" charset="0"/>
+              <a:cs typeface="Arial" pitchFamily="34" charset="0"/>
+            </a:endParaRPr>
+          </a:p>
+          <a:p>
+            <a:pPr>
+              <a:buNone/>
+            </a:pPr>
+            <a:r>
+              <a:rPr lang="pt-BR" sz="2600" b="1" dirty="0">
+                <a:latin typeface="Arial" pitchFamily="34" charset="0"/>
+                <a:cs typeface="Arial" pitchFamily="34" charset="0"/>
+              </a:rPr>
+              <a:t>	</a:t>
+            </a:r>
+            <a:r>
+              <a:rPr lang="en-US" sz="2600" b="1" dirty="0">
+                <a:latin typeface="Arial" pitchFamily="34" charset="0"/>
+                <a:cs typeface="Arial" pitchFamily="34" charset="0"/>
+                <a:hlinkClick r:id="rId2"/>
+              </a:rPr>
+              <a:t>https://github.com/kawamanza/step-</a:t>
+            </a:r>
+            <a:r>
+              <a:rPr lang="en-US" sz="2600" b="1" dirty="0" smtClean="0">
+                <a:latin typeface="Arial" pitchFamily="34" charset="0"/>
+                <a:cs typeface="Arial" pitchFamily="34" charset="0"/>
+                <a:hlinkClick r:id="rId2"/>
+              </a:rPr>
+              <a:t>up</a:t>
+            </a:r>
+            <a:endParaRPr lang="en-US" sz="2600" b="1" dirty="0" smtClean="0">
               <a:latin typeface="Arial" pitchFamily="34" charset="0"/>
               <a:cs typeface="Arial" pitchFamily="34" charset="0"/>
             </a:endParaRPr>
@@ -12808,14 +12835,7 @@
                 <a:latin typeface="Arial" pitchFamily="34" charset="0"/>
                 <a:cs typeface="Arial" pitchFamily="34" charset="0"/>
               </a:rPr>
-              <a:t>Jogar altera</a:t>
-            </a:r>
-            <a:r>
-              <a:rPr lang="pt-BR" sz="2000" b="1" dirty="0" smtClean="0">
-                <a:latin typeface="Arial" pitchFamily="34" charset="0"/>
-                <a:cs typeface="Arial" pitchFamily="34" charset="0"/>
-              </a:rPr>
-              <a:t>ções para </a:t>
+              <a:t>Jogar alterações para </a:t>
             </a:r>
             <a:r>
               <a:rPr lang="pt-BR" sz="2000" b="1" dirty="0" err="1" smtClean="0">
@@ -13208,21 +13228,7 @@
                 <a:latin typeface="Arial" pitchFamily="34" charset="0"/>
                 <a:cs typeface="Arial" pitchFamily="34" charset="0"/>
               </a:rPr>
-              <a:t>Atualizar reposit</a:t>
-            </a:r>
-            <a:r>
-              <a:rPr lang="pt-BR" sz="2000" b="1" dirty="0" smtClean="0">
-                <a:latin typeface="Arial" pitchFamily="34" charset="0"/>
-                <a:cs typeface="Arial" pitchFamily="34" charset="0"/>
-              </a:rPr>
-              <a:t>ório</a:t>
-            </a:r>
-            <a:r>
-              <a:rPr lang="pt-BR" sz="2000" b="1" dirty="0" smtClean="0">
-                <a:latin typeface="Arial" pitchFamily="34" charset="0"/>
-                <a:cs typeface="Arial" pitchFamily="34" charset="0"/>
-              </a:rPr>
-              <a:t>:</a:t>
+              <a:t>Atualizar repositório:</a:t>
             </a:r>
             <a:endParaRPr lang="pt-BR" sz="2000" b="1" dirty="0">
               <a:latin typeface="Arial" pitchFamily="34" charset="0"/>
@@ -13747,27 +13753,17 @@
               <a:t>rm</a:t>
             </a:r>
             <a:r>
-              <a:rPr lang="en-US" sz="2000" b="1">
-                <a:solidFill>
-                  <a:srgbClr val="B5400B"/>
-                </a:solidFill>
-                <a:latin typeface="Arial" pitchFamily="34" charset="0"/>
-                <a:cs typeface="Arial" pitchFamily="34" charset="0"/>
-              </a:rPr>
-              <a:t> --</a:t>
-            </a:r>
-            <a:r>
-              <a:rPr lang="en-US" sz="2000" b="1">
-                <a:solidFill>
-                  <a:srgbClr val="B5400B"/>
-                </a:solidFill>
-                <a:latin typeface="Arial" pitchFamily="34" charset="0"/>
-                <a:cs typeface="Arial" pitchFamily="34" charset="0"/>
-              </a:rPr>
-              <a:t>cached </a:t>
-            </a:r>
-            <a:r>
-              <a:rPr lang="en-US" sz="2000" b="1" smtClean="0">
+              <a:rPr lang="en-US" sz="2000" b="1" dirty="0">
+                <a:solidFill>
+                  <a:srgbClr val="B5400B"/>
+                </a:solidFill>
+                <a:latin typeface="Arial" pitchFamily="34" charset="0"/>
+                <a:cs typeface="Arial" pitchFamily="34" charset="0"/>
+              </a:rPr>
+              <a:t> --cached </a:t>
+            </a:r>
+            <a:r>
+              <a:rPr lang="en-US" sz="2000" b="1" dirty="0" smtClean="0">
                 <a:solidFill>
                   <a:srgbClr val="B5400B"/>
                 </a:solidFill>
